--- a/PLANT-VS-ZOMBIE.pptx
+++ b/PLANT-VS-ZOMBIE.pptx
@@ -156,7 +156,7 @@
           </a:lstStyle>
           <a:p>
             <a:r>
-              <a:rPr lang="en-US" smtClean="0"/>
+              <a:rPr lang="en-US"/>
               <a:t>Click to edit Master title style</a:t>
             </a:r>
             <a:endParaRPr lang="en-US" dirty="0"/>
@@ -276,7 +276,7 @@
           </a:lstStyle>
           <a:p>
             <a:r>
-              <a:rPr lang="en-US" smtClean="0"/>
+              <a:rPr lang="en-US"/>
               <a:t>Click to edit Master subtitle style</a:t>
             </a:r>
             <a:endParaRPr lang="en-US" dirty="0"/>
@@ -300,7 +300,7 @@
           <a:p>
             <a:fld id="{4AAD347D-5ACD-4C99-B74B-A9C85AD731AF}" type="datetimeFigureOut">
               <a:rPr lang="en-US" dirty="0"/>
-              <a:t>08-Jan-19</a:t>
+              <a:t>1/9/2019</a:t>
             </a:fld>
             <a:endParaRPr lang="en-US" dirty="0"/>
           </a:p>
@@ -400,7 +400,7 @@
           </a:lstStyle>
           <a:p>
             <a:r>
-              <a:rPr lang="en-US" smtClean="0"/>
+              <a:rPr lang="en-US"/>
               <a:t>Click to edit Master title style</a:t>
             </a:r>
             <a:endParaRPr lang="en-US" dirty="0"/>
@@ -479,7 +479,7 @@
           </a:lstStyle>
           <a:p>
             <a:r>
-              <a:rPr lang="en-US" smtClean="0"/>
+              <a:rPr lang="en-US"/>
               <a:t>Click icon to add picture</a:t>
             </a:r>
             <a:endParaRPr lang="en-US" dirty="0"/>
@@ -547,7 +547,7 @@
           <a:p>
             <a:pPr lvl="0"/>
             <a:r>
-              <a:rPr lang="en-US" smtClean="0"/>
+              <a:rPr lang="en-US"/>
               <a:t>Click to edit Master text styles</a:t>
             </a:r>
           </a:p>
@@ -570,7 +570,7 @@
           <a:p>
             <a:fld id="{4509A250-FF31-4206-8172-F9D3106AACB1}" type="datetimeFigureOut">
               <a:rPr lang="en-US" dirty="0"/>
-              <a:t>08-Jan-19</a:t>
+              <a:t>1/9/2019</a:t>
             </a:fld>
             <a:endParaRPr lang="en-US" dirty="0"/>
           </a:p>
@@ -668,7 +668,7 @@
           </a:lstStyle>
           <a:p>
             <a:r>
-              <a:rPr lang="en-US" smtClean="0"/>
+              <a:rPr lang="en-US"/>
               <a:t>Click to edit Master title style</a:t>
             </a:r>
             <a:endParaRPr lang="en-US" dirty="0"/>
@@ -736,7 +736,7 @@
           <a:p>
             <a:pPr lvl="0"/>
             <a:r>
-              <a:rPr lang="en-US" smtClean="0"/>
+              <a:rPr lang="en-US"/>
               <a:t>Click to edit Master text styles</a:t>
             </a:r>
           </a:p>
@@ -759,7 +759,7 @@
           <a:p>
             <a:fld id="{4509A250-FF31-4206-8172-F9D3106AACB1}" type="datetimeFigureOut">
               <a:rPr lang="en-US" dirty="0"/>
-              <a:t>08-Jan-19</a:t>
+              <a:t>1/9/2019</a:t>
             </a:fld>
             <a:endParaRPr lang="en-US" dirty="0"/>
           </a:p>
@@ -857,7 +857,7 @@
           </a:lstStyle>
           <a:p>
             <a:r>
-              <a:rPr lang="en-US" smtClean="0"/>
+              <a:rPr lang="en-US"/>
               <a:t>Click to edit Master title style</a:t>
             </a:r>
             <a:endParaRPr lang="en-US" dirty="0"/>
@@ -937,7 +937,7 @@
               <a:buNone/>
             </a:pPr>
             <a:r>
-              <a:rPr lang="en-US" smtClean="0"/>
+              <a:rPr lang="en-US"/>
               <a:t>Click to edit Master text styles</a:t>
             </a:r>
           </a:p>
@@ -1004,7 +1004,7 @@
           <a:p>
             <a:pPr lvl="0"/>
             <a:r>
-              <a:rPr lang="en-US" smtClean="0"/>
+              <a:rPr lang="en-US"/>
               <a:t>Click to edit Master text styles</a:t>
             </a:r>
           </a:p>
@@ -1027,7 +1027,7 @@
           <a:p>
             <a:fld id="{4509A250-FF31-4206-8172-F9D3106AACB1}" type="datetimeFigureOut">
               <a:rPr lang="en-US" dirty="0"/>
-              <a:t>08-Jan-19</a:t>
+              <a:t>1/9/2019</a:t>
             </a:fld>
             <a:endParaRPr lang="en-US" dirty="0"/>
           </a:p>
@@ -1219,7 +1219,7 @@
           </a:lstStyle>
           <a:p>
             <a:r>
-              <a:rPr lang="en-US" smtClean="0"/>
+              <a:rPr lang="en-US"/>
               <a:t>Click to edit Master title style</a:t>
             </a:r>
             <a:endParaRPr lang="en-US" dirty="0"/>
@@ -1340,7 +1340,7 @@
           <a:p>
             <a:pPr lvl="0"/>
             <a:r>
-              <a:rPr lang="en-US" smtClean="0"/>
+              <a:rPr lang="en-US"/>
               <a:t>Click to edit Master text styles</a:t>
             </a:r>
           </a:p>
@@ -1363,7 +1363,7 @@
           <a:p>
             <a:fld id="{4509A250-FF31-4206-8172-F9D3106AACB1}" type="datetimeFigureOut">
               <a:rPr lang="en-US" dirty="0"/>
-              <a:t>08-Jan-19</a:t>
+              <a:t>1/9/2019</a:t>
             </a:fld>
             <a:endParaRPr lang="en-US" dirty="0"/>
           </a:p>
@@ -1456,7 +1456,7 @@
           </a:lstStyle>
           <a:p>
             <a:r>
-              <a:rPr lang="en-US" smtClean="0"/>
+              <a:rPr lang="en-US"/>
               <a:t>Click to edit Master title style</a:t>
             </a:r>
             <a:endParaRPr lang="en-US" dirty="0"/>
@@ -1531,7 +1531,7 @@
           <a:p>
             <a:pPr lvl="0"/>
             <a:r>
-              <a:rPr lang="en-US" smtClean="0"/>
+              <a:rPr lang="en-US"/>
               <a:t>Click to edit Master text styles</a:t>
             </a:r>
           </a:p>
@@ -1598,7 +1598,7 @@
           <a:p>
             <a:pPr lvl="0"/>
             <a:r>
-              <a:rPr lang="en-US" smtClean="0"/>
+              <a:rPr lang="en-US"/>
               <a:t>Click to edit Master text styles</a:t>
             </a:r>
           </a:p>
@@ -1672,7 +1672,7 @@
           <a:p>
             <a:pPr lvl="0"/>
             <a:r>
-              <a:rPr lang="en-US" smtClean="0"/>
+              <a:rPr lang="en-US"/>
               <a:t>Click to edit Master text styles</a:t>
             </a:r>
           </a:p>
@@ -1739,7 +1739,7 @@
           <a:p>
             <a:pPr lvl="0"/>
             <a:r>
-              <a:rPr lang="en-US" smtClean="0"/>
+              <a:rPr lang="en-US"/>
               <a:t>Click to edit Master text styles</a:t>
             </a:r>
           </a:p>
@@ -1813,7 +1813,7 @@
           <a:p>
             <a:pPr lvl="0"/>
             <a:r>
-              <a:rPr lang="en-US" smtClean="0"/>
+              <a:rPr lang="en-US"/>
               <a:t>Click to edit Master text styles</a:t>
             </a:r>
           </a:p>
@@ -1880,7 +1880,7 @@
           <a:p>
             <a:pPr lvl="0"/>
             <a:r>
-              <a:rPr lang="en-US" smtClean="0"/>
+              <a:rPr lang="en-US"/>
               <a:t>Click to edit Master text styles</a:t>
             </a:r>
           </a:p>
@@ -1981,7 +1981,7 @@
           <a:p>
             <a:fld id="{4509A250-FF31-4206-8172-F9D3106AACB1}" type="datetimeFigureOut">
               <a:rPr lang="en-US" dirty="0"/>
-              <a:t>08-Jan-19</a:t>
+              <a:t>1/9/2019</a:t>
             </a:fld>
             <a:endParaRPr lang="en-US" dirty="0"/>
           </a:p>
@@ -2074,7 +2074,7 @@
           </a:lstStyle>
           <a:p>
             <a:r>
-              <a:rPr lang="en-US" smtClean="0"/>
+              <a:rPr lang="en-US"/>
               <a:t>Click to edit Master title style</a:t>
             </a:r>
             <a:endParaRPr lang="en-US" dirty="0"/>
@@ -2149,7 +2149,7 @@
           <a:p>
             <a:pPr lvl="0"/>
             <a:r>
-              <a:rPr lang="en-US" smtClean="0"/>
+              <a:rPr lang="en-US"/>
               <a:t>Click to edit Master text styles</a:t>
             </a:r>
           </a:p>
@@ -2227,7 +2227,7 @@
           </a:lstStyle>
           <a:p>
             <a:r>
-              <a:rPr lang="en-US" smtClean="0"/>
+              <a:rPr lang="en-US"/>
               <a:t>Click icon to add picture</a:t>
             </a:r>
             <a:endParaRPr lang="en-US" dirty="0"/>
@@ -2295,7 +2295,7 @@
           <a:p>
             <a:pPr lvl="0"/>
             <a:r>
-              <a:rPr lang="en-US" smtClean="0"/>
+              <a:rPr lang="en-US"/>
               <a:t>Click to edit Master text styles</a:t>
             </a:r>
           </a:p>
@@ -2369,7 +2369,7 @@
           <a:p>
             <a:pPr lvl="0"/>
             <a:r>
-              <a:rPr lang="en-US" smtClean="0"/>
+              <a:rPr lang="en-US"/>
               <a:t>Click to edit Master text styles</a:t>
             </a:r>
           </a:p>
@@ -2447,7 +2447,7 @@
           </a:lstStyle>
           <a:p>
             <a:r>
-              <a:rPr lang="en-US" smtClean="0"/>
+              <a:rPr lang="en-US"/>
               <a:t>Click icon to add picture</a:t>
             </a:r>
             <a:endParaRPr lang="en-US" dirty="0"/>
@@ -2515,7 +2515,7 @@
           <a:p>
             <a:pPr lvl="0"/>
             <a:r>
-              <a:rPr lang="en-US" smtClean="0"/>
+              <a:rPr lang="en-US"/>
               <a:t>Click to edit Master text styles</a:t>
             </a:r>
           </a:p>
@@ -2589,7 +2589,7 @@
           <a:p>
             <a:pPr lvl="0"/>
             <a:r>
-              <a:rPr lang="en-US" smtClean="0"/>
+              <a:rPr lang="en-US"/>
               <a:t>Click to edit Master text styles</a:t>
             </a:r>
           </a:p>
@@ -2667,7 +2667,7 @@
           </a:lstStyle>
           <a:p>
             <a:r>
-              <a:rPr lang="en-US" smtClean="0"/>
+              <a:rPr lang="en-US"/>
               <a:t>Click icon to add picture</a:t>
             </a:r>
             <a:endParaRPr lang="en-US" dirty="0"/>
@@ -2735,7 +2735,7 @@
           <a:p>
             <a:pPr lvl="0"/>
             <a:r>
-              <a:rPr lang="en-US" smtClean="0"/>
+              <a:rPr lang="en-US"/>
               <a:t>Click to edit Master text styles</a:t>
             </a:r>
           </a:p>
@@ -2836,7 +2836,7 @@
           <a:p>
             <a:fld id="{4509A250-FF31-4206-8172-F9D3106AACB1}" type="datetimeFigureOut">
               <a:rPr lang="en-US" dirty="0"/>
-              <a:t>08-Jan-19</a:t>
+              <a:t>1/9/2019</a:t>
             </a:fld>
             <a:endParaRPr lang="en-US" dirty="0"/>
           </a:p>
@@ -2925,7 +2925,7 @@
           <a:lstStyle/>
           <a:p>
             <a:r>
-              <a:rPr lang="en-US" smtClean="0"/>
+              <a:rPr lang="en-US"/>
               <a:t>Click to edit Master title style</a:t>
             </a:r>
             <a:endParaRPr lang="en-US" dirty="0"/>
@@ -2949,35 +2949,35 @@
           <a:p>
             <a:pPr lvl="0"/>
             <a:r>
-              <a:rPr lang="en-US" smtClean="0"/>
+              <a:rPr lang="en-US"/>
               <a:t>Click to edit Master text styles</a:t>
             </a:r>
           </a:p>
           <a:p>
             <a:pPr lvl="1"/>
             <a:r>
-              <a:rPr lang="en-US" smtClean="0"/>
+              <a:rPr lang="en-US"/>
               <a:t>Second level</a:t>
             </a:r>
           </a:p>
           <a:p>
             <a:pPr lvl="2"/>
             <a:r>
-              <a:rPr lang="en-US" smtClean="0"/>
+              <a:rPr lang="en-US"/>
               <a:t>Third level</a:t>
             </a:r>
           </a:p>
           <a:p>
             <a:pPr lvl="3"/>
             <a:r>
-              <a:rPr lang="en-US" smtClean="0"/>
+              <a:rPr lang="en-US"/>
               <a:t>Fourth level</a:t>
             </a:r>
           </a:p>
           <a:p>
             <a:pPr lvl="4"/>
             <a:r>
-              <a:rPr lang="en-US" smtClean="0"/>
+              <a:rPr lang="en-US"/>
               <a:t>Fifth level</a:t>
             </a:r>
             <a:endParaRPr lang="en-US" dirty="0"/>
@@ -3001,7 +3001,7 @@
           <a:p>
             <a:fld id="{4509A250-FF31-4206-8172-F9D3106AACB1}" type="datetimeFigureOut">
               <a:rPr lang="en-US" dirty="0"/>
-              <a:t>08-Jan-19</a:t>
+              <a:t>1/9/2019</a:t>
             </a:fld>
             <a:endParaRPr lang="en-US" dirty="0"/>
           </a:p>
@@ -3095,7 +3095,7 @@
           <a:lstStyle/>
           <a:p>
             <a:r>
-              <a:rPr lang="en-US" smtClean="0"/>
+              <a:rPr lang="en-US"/>
               <a:t>Click to edit Master title style</a:t>
             </a:r>
             <a:endParaRPr lang="en-US" dirty="0"/>
@@ -3124,35 +3124,35 @@
           <a:p>
             <a:pPr lvl="0"/>
             <a:r>
-              <a:rPr lang="en-US" smtClean="0"/>
+              <a:rPr lang="en-US"/>
               <a:t>Click to edit Master text styles</a:t>
             </a:r>
           </a:p>
           <a:p>
             <a:pPr lvl="1"/>
             <a:r>
-              <a:rPr lang="en-US" smtClean="0"/>
+              <a:rPr lang="en-US"/>
               <a:t>Second level</a:t>
             </a:r>
           </a:p>
           <a:p>
             <a:pPr lvl="2"/>
             <a:r>
-              <a:rPr lang="en-US" smtClean="0"/>
+              <a:rPr lang="en-US"/>
               <a:t>Third level</a:t>
             </a:r>
           </a:p>
           <a:p>
             <a:pPr lvl="3"/>
             <a:r>
-              <a:rPr lang="en-US" smtClean="0"/>
+              <a:rPr lang="en-US"/>
               <a:t>Fourth level</a:t>
             </a:r>
           </a:p>
           <a:p>
             <a:pPr lvl="4"/>
             <a:r>
-              <a:rPr lang="en-US" smtClean="0"/>
+              <a:rPr lang="en-US"/>
               <a:t>Fifth level</a:t>
             </a:r>
             <a:endParaRPr lang="en-US" dirty="0"/>
@@ -3176,7 +3176,7 @@
           <a:p>
             <a:fld id="{4509A250-FF31-4206-8172-F9D3106AACB1}" type="datetimeFigureOut">
               <a:rPr lang="en-US" dirty="0"/>
-              <a:t>08-Jan-19</a:t>
+              <a:t>1/9/2019</a:t>
             </a:fld>
             <a:endParaRPr lang="en-US" dirty="0"/>
           </a:p>
@@ -3265,7 +3265,7 @@
           <a:lstStyle/>
           <a:p>
             <a:r>
-              <a:rPr lang="en-US" smtClean="0"/>
+              <a:rPr lang="en-US"/>
               <a:t>Click to edit Master title style</a:t>
             </a:r>
             <a:endParaRPr lang="en-US" dirty="0"/>
@@ -3289,35 +3289,35 @@
           <a:p>
             <a:pPr lvl="0"/>
             <a:r>
-              <a:rPr lang="en-US" smtClean="0"/>
+              <a:rPr lang="en-US"/>
               <a:t>Click to edit Master text styles</a:t>
             </a:r>
           </a:p>
           <a:p>
             <a:pPr lvl="1"/>
             <a:r>
-              <a:rPr lang="en-US" smtClean="0"/>
+              <a:rPr lang="en-US"/>
               <a:t>Second level</a:t>
             </a:r>
           </a:p>
           <a:p>
             <a:pPr lvl="2"/>
             <a:r>
-              <a:rPr lang="en-US" smtClean="0"/>
+              <a:rPr lang="en-US"/>
               <a:t>Third level</a:t>
             </a:r>
           </a:p>
           <a:p>
             <a:pPr lvl="3"/>
             <a:r>
-              <a:rPr lang="en-US" smtClean="0"/>
+              <a:rPr lang="en-US"/>
               <a:t>Fourth level</a:t>
             </a:r>
           </a:p>
           <a:p>
             <a:pPr lvl="4"/>
             <a:r>
-              <a:rPr lang="en-US" smtClean="0"/>
+              <a:rPr lang="en-US"/>
               <a:t>Fifth level</a:t>
             </a:r>
             <a:endParaRPr lang="en-US" dirty="0"/>
@@ -3341,7 +3341,7 @@
           <a:p>
             <a:fld id="{4509A250-FF31-4206-8172-F9D3106AACB1}" type="datetimeFigureOut">
               <a:rPr lang="en-US" dirty="0"/>
-              <a:t>08-Jan-19</a:t>
+              <a:t>1/9/2019</a:t>
             </a:fld>
             <a:endParaRPr lang="en-US" dirty="0"/>
           </a:p>
@@ -3439,7 +3439,7 @@
           </a:lstStyle>
           <a:p>
             <a:r>
-              <a:rPr lang="en-US" smtClean="0"/>
+              <a:rPr lang="en-US"/>
               <a:t>Click to edit Master title style</a:t>
             </a:r>
             <a:endParaRPr lang="en-US" dirty="0"/>
@@ -3560,7 +3560,7 @@
           <a:p>
             <a:pPr lvl="0"/>
             <a:r>
-              <a:rPr lang="en-US" smtClean="0"/>
+              <a:rPr lang="en-US"/>
               <a:t>Click to edit Master text styles</a:t>
             </a:r>
           </a:p>
@@ -3583,7 +3583,7 @@
           <a:p>
             <a:fld id="{9796027F-7875-4030-9381-8BD8C4F21935}" type="datetimeFigureOut">
               <a:rPr lang="en-US" dirty="0"/>
-              <a:t>08-Jan-19</a:t>
+              <a:t>1/9/2019</a:t>
             </a:fld>
             <a:endParaRPr lang="en-US" dirty="0"/>
           </a:p>
@@ -3672,7 +3672,7 @@
           <a:lstStyle/>
           <a:p>
             <a:r>
-              <a:rPr lang="en-US" smtClean="0"/>
+              <a:rPr lang="en-US"/>
               <a:t>Click to edit Master title style</a:t>
             </a:r>
             <a:endParaRPr lang="en-US" dirty="0"/>
@@ -3731,35 +3731,35 @@
           <a:p>
             <a:pPr lvl="0"/>
             <a:r>
-              <a:rPr lang="en-US" smtClean="0"/>
+              <a:rPr lang="en-US"/>
               <a:t>Click to edit Master text styles</a:t>
             </a:r>
           </a:p>
           <a:p>
             <a:pPr lvl="1"/>
             <a:r>
-              <a:rPr lang="en-US" smtClean="0"/>
+              <a:rPr lang="en-US"/>
               <a:t>Second level</a:t>
             </a:r>
           </a:p>
           <a:p>
             <a:pPr lvl="2"/>
             <a:r>
-              <a:rPr lang="en-US" smtClean="0"/>
+              <a:rPr lang="en-US"/>
               <a:t>Third level</a:t>
             </a:r>
           </a:p>
           <a:p>
             <a:pPr lvl="3"/>
             <a:r>
-              <a:rPr lang="en-US" smtClean="0"/>
+              <a:rPr lang="en-US"/>
               <a:t>Fourth level</a:t>
             </a:r>
           </a:p>
           <a:p>
             <a:pPr lvl="4"/>
             <a:r>
-              <a:rPr lang="en-US" smtClean="0"/>
+              <a:rPr lang="en-US"/>
               <a:t>Fifth level</a:t>
             </a:r>
             <a:endParaRPr lang="en-US" dirty="0"/>
@@ -3818,35 +3818,35 @@
           <a:p>
             <a:pPr lvl="0"/>
             <a:r>
-              <a:rPr lang="en-US" smtClean="0"/>
+              <a:rPr lang="en-US"/>
               <a:t>Click to edit Master text styles</a:t>
             </a:r>
           </a:p>
           <a:p>
             <a:pPr lvl="1"/>
             <a:r>
-              <a:rPr lang="en-US" smtClean="0"/>
+              <a:rPr lang="en-US"/>
               <a:t>Second level</a:t>
             </a:r>
           </a:p>
           <a:p>
             <a:pPr lvl="2"/>
             <a:r>
-              <a:rPr lang="en-US" smtClean="0"/>
+              <a:rPr lang="en-US"/>
               <a:t>Third level</a:t>
             </a:r>
           </a:p>
           <a:p>
             <a:pPr lvl="3"/>
             <a:r>
-              <a:rPr lang="en-US" smtClean="0"/>
+              <a:rPr lang="en-US"/>
               <a:t>Fourth level</a:t>
             </a:r>
           </a:p>
           <a:p>
             <a:pPr lvl="4"/>
             <a:r>
-              <a:rPr lang="en-US" smtClean="0"/>
+              <a:rPr lang="en-US"/>
               <a:t>Fifth level</a:t>
             </a:r>
             <a:endParaRPr lang="en-US" dirty="0"/>
@@ -3870,7 +3870,7 @@
           <a:p>
             <a:fld id="{9796027F-7875-4030-9381-8BD8C4F21935}" type="datetimeFigureOut">
               <a:rPr lang="en-US" dirty="0"/>
-              <a:t>08-Jan-19</a:t>
+              <a:t>1/9/2019</a:t>
             </a:fld>
             <a:endParaRPr lang="en-US" dirty="0"/>
           </a:p>
@@ -3963,7 +3963,7 @@
           </a:lstStyle>
           <a:p>
             <a:r>
-              <a:rPr lang="en-US" smtClean="0"/>
+              <a:rPr lang="en-US"/>
               <a:t>Click to edit Master title style</a:t>
             </a:r>
             <a:endParaRPr lang="en-US" dirty="0"/>
@@ -4038,7 +4038,7 @@
           <a:p>
             <a:pPr lvl="0"/>
             <a:r>
-              <a:rPr lang="en-US" smtClean="0"/>
+              <a:rPr lang="en-US"/>
               <a:t>Click to edit Master text styles</a:t>
             </a:r>
           </a:p>
@@ -4096,35 +4096,35 @@
           <a:p>
             <a:pPr lvl="0"/>
             <a:r>
-              <a:rPr lang="en-US" smtClean="0"/>
+              <a:rPr lang="en-US"/>
               <a:t>Click to edit Master text styles</a:t>
             </a:r>
           </a:p>
           <a:p>
             <a:pPr lvl="1"/>
             <a:r>
-              <a:rPr lang="en-US" smtClean="0"/>
+              <a:rPr lang="en-US"/>
               <a:t>Second level</a:t>
             </a:r>
           </a:p>
           <a:p>
             <a:pPr lvl="2"/>
             <a:r>
-              <a:rPr lang="en-US" smtClean="0"/>
+              <a:rPr lang="en-US"/>
               <a:t>Third level</a:t>
             </a:r>
           </a:p>
           <a:p>
             <a:pPr lvl="3"/>
             <a:r>
-              <a:rPr lang="en-US" smtClean="0"/>
+              <a:rPr lang="en-US"/>
               <a:t>Fourth level</a:t>
             </a:r>
           </a:p>
           <a:p>
             <a:pPr lvl="4"/>
             <a:r>
-              <a:rPr lang="en-US" smtClean="0"/>
+              <a:rPr lang="en-US"/>
               <a:t>Fifth level</a:t>
             </a:r>
             <a:endParaRPr lang="en-US" dirty="0"/>
@@ -4199,7 +4199,7 @@
           <a:p>
             <a:pPr lvl="0"/>
             <a:r>
-              <a:rPr lang="en-US" smtClean="0"/>
+              <a:rPr lang="en-US"/>
               <a:t>Click to edit Master text styles</a:t>
             </a:r>
           </a:p>
@@ -4257,35 +4257,35 @@
           <a:p>
             <a:pPr lvl="0"/>
             <a:r>
-              <a:rPr lang="en-US" smtClean="0"/>
+              <a:rPr lang="en-US"/>
               <a:t>Click to edit Master text styles</a:t>
             </a:r>
           </a:p>
           <a:p>
             <a:pPr lvl="1"/>
             <a:r>
-              <a:rPr lang="en-US" smtClean="0"/>
+              <a:rPr lang="en-US"/>
               <a:t>Second level</a:t>
             </a:r>
           </a:p>
           <a:p>
             <a:pPr lvl="2"/>
             <a:r>
-              <a:rPr lang="en-US" smtClean="0"/>
+              <a:rPr lang="en-US"/>
               <a:t>Third level</a:t>
             </a:r>
           </a:p>
           <a:p>
             <a:pPr lvl="3"/>
             <a:r>
-              <a:rPr lang="en-US" smtClean="0"/>
+              <a:rPr lang="en-US"/>
               <a:t>Fourth level</a:t>
             </a:r>
           </a:p>
           <a:p>
             <a:pPr lvl="4"/>
             <a:r>
-              <a:rPr lang="en-US" smtClean="0"/>
+              <a:rPr lang="en-US"/>
               <a:t>Fifth level</a:t>
             </a:r>
             <a:endParaRPr lang="en-US" dirty="0"/>
@@ -4309,7 +4309,7 @@
           <a:p>
             <a:fld id="{9796027F-7875-4030-9381-8BD8C4F21935}" type="datetimeFigureOut">
               <a:rPr lang="en-US" dirty="0"/>
-              <a:t>08-Jan-19</a:t>
+              <a:t>1/9/2019</a:t>
             </a:fld>
             <a:endParaRPr lang="en-US" dirty="0"/>
           </a:p>
@@ -4398,7 +4398,7 @@
           <a:lstStyle/>
           <a:p>
             <a:r>
-              <a:rPr lang="en-US" smtClean="0"/>
+              <a:rPr lang="en-US"/>
               <a:t>Click to edit Master title style</a:t>
             </a:r>
             <a:endParaRPr lang="en-US" dirty="0"/>
@@ -4422,7 +4422,7 @@
           <a:p>
             <a:fld id="{4509A250-FF31-4206-8172-F9D3106AACB1}" type="datetimeFigureOut">
               <a:rPr lang="en-US" dirty="0"/>
-              <a:t>08-Jan-19</a:t>
+              <a:t>1/9/2019</a:t>
             </a:fld>
             <a:endParaRPr lang="en-US" dirty="0"/>
           </a:p>
@@ -4512,7 +4512,7 @@
           <a:p>
             <a:fld id="{4509A250-FF31-4206-8172-F9D3106AACB1}" type="datetimeFigureOut">
               <a:rPr lang="en-US" dirty="0"/>
-              <a:t>08-Jan-19</a:t>
+              <a:t>1/9/2019</a:t>
             </a:fld>
             <a:endParaRPr lang="en-US" dirty="0"/>
           </a:p>
@@ -4610,7 +4610,7 @@
           </a:lstStyle>
           <a:p>
             <a:r>
-              <a:rPr lang="en-US" smtClean="0"/>
+              <a:rPr lang="en-US"/>
               <a:t>Click to edit Master title style</a:t>
             </a:r>
             <a:endParaRPr lang="en-US" dirty="0"/>
@@ -4669,35 +4669,35 @@
           <a:p>
             <a:pPr lvl="0"/>
             <a:r>
-              <a:rPr lang="en-US" smtClean="0"/>
+              <a:rPr lang="en-US"/>
               <a:t>Click to edit Master text styles</a:t>
             </a:r>
           </a:p>
           <a:p>
             <a:pPr lvl="1"/>
             <a:r>
-              <a:rPr lang="en-US" smtClean="0"/>
+              <a:rPr lang="en-US"/>
               <a:t>Second level</a:t>
             </a:r>
           </a:p>
           <a:p>
             <a:pPr lvl="2"/>
             <a:r>
-              <a:rPr lang="en-US" smtClean="0"/>
+              <a:rPr lang="en-US"/>
               <a:t>Third level</a:t>
             </a:r>
           </a:p>
           <a:p>
             <a:pPr lvl="3"/>
             <a:r>
-              <a:rPr lang="en-US" smtClean="0"/>
+              <a:rPr lang="en-US"/>
               <a:t>Fourth level</a:t>
             </a:r>
           </a:p>
           <a:p>
             <a:pPr lvl="4"/>
             <a:r>
-              <a:rPr lang="en-US" smtClean="0"/>
+              <a:rPr lang="en-US"/>
               <a:t>Fifth level</a:t>
             </a:r>
             <a:endParaRPr lang="en-US" dirty="0"/>
@@ -4763,7 +4763,7 @@
           <a:p>
             <a:pPr lvl="0"/>
             <a:r>
-              <a:rPr lang="en-US" smtClean="0"/>
+              <a:rPr lang="en-US"/>
               <a:t>Click to edit Master text styles</a:t>
             </a:r>
           </a:p>
@@ -4786,7 +4786,7 @@
           <a:p>
             <a:fld id="{4509A250-FF31-4206-8172-F9D3106AACB1}" type="datetimeFigureOut">
               <a:rPr lang="en-US" dirty="0"/>
-              <a:t>08-Jan-19</a:t>
+              <a:t>1/9/2019</a:t>
             </a:fld>
             <a:endParaRPr lang="en-US" dirty="0"/>
           </a:p>
@@ -4886,7 +4886,7 @@
           </a:lstStyle>
           <a:p>
             <a:r>
-              <a:rPr lang="en-US" smtClean="0"/>
+              <a:rPr lang="en-US"/>
               <a:t>Click to edit Master title style</a:t>
             </a:r>
             <a:endParaRPr lang="en-US" dirty="0"/>
@@ -4965,7 +4965,7 @@
           </a:lstStyle>
           <a:p>
             <a:r>
-              <a:rPr lang="en-US" smtClean="0"/>
+              <a:rPr lang="en-US"/>
               <a:t>Click icon to add picture</a:t>
             </a:r>
             <a:endParaRPr lang="en-US" dirty="0"/>
@@ -5033,7 +5033,7 @@
           <a:p>
             <a:pPr lvl="0"/>
             <a:r>
-              <a:rPr lang="en-US" smtClean="0"/>
+              <a:rPr lang="en-US"/>
               <a:t>Click to edit Master text styles</a:t>
             </a:r>
           </a:p>
@@ -5056,7 +5056,7 @@
           <a:p>
             <a:fld id="{4509A250-FF31-4206-8172-F9D3106AACB1}" type="datetimeFigureOut">
               <a:rPr lang="en-US" dirty="0"/>
-              <a:t>08-Jan-19</a:t>
+              <a:t>1/9/2019</a:t>
             </a:fld>
             <a:endParaRPr lang="en-US" dirty="0"/>
           </a:p>
@@ -5375,7 +5375,7 @@
           <a:lstStyle/>
           <a:p>
             <a:r>
-              <a:rPr lang="en-US" smtClean="0"/>
+              <a:rPr lang="en-US"/>
               <a:t>Click to edit Master title style</a:t>
             </a:r>
             <a:endParaRPr lang="en-US" dirty="0"/>
@@ -5409,35 +5409,35 @@
           <a:p>
             <a:pPr lvl="0"/>
             <a:r>
-              <a:rPr lang="en-US" smtClean="0"/>
+              <a:rPr lang="en-US"/>
               <a:t>Click to edit Master text styles</a:t>
             </a:r>
           </a:p>
           <a:p>
             <a:pPr lvl="1"/>
             <a:r>
-              <a:rPr lang="en-US" smtClean="0"/>
+              <a:rPr lang="en-US"/>
               <a:t>Second level</a:t>
             </a:r>
           </a:p>
           <a:p>
             <a:pPr lvl="2"/>
             <a:r>
-              <a:rPr lang="en-US" smtClean="0"/>
+              <a:rPr lang="en-US"/>
               <a:t>Third level</a:t>
             </a:r>
           </a:p>
           <a:p>
             <a:pPr lvl="3"/>
             <a:r>
-              <a:rPr lang="en-US" smtClean="0"/>
+              <a:rPr lang="en-US"/>
               <a:t>Fourth level</a:t>
             </a:r>
           </a:p>
           <a:p>
             <a:pPr lvl="4"/>
             <a:r>
-              <a:rPr lang="en-US" smtClean="0"/>
+              <a:rPr lang="en-US"/>
               <a:t>Fifth level</a:t>
             </a:r>
             <a:endParaRPr lang="en-US" dirty="0"/>
@@ -5480,7 +5480,7 @@
           <a:p>
             <a:fld id="{4AAD347D-5ACD-4C99-B74B-A9C85AD731AF}" type="datetimeFigureOut">
               <a:rPr lang="en-US" dirty="0"/>
-              <a:t>08-Jan-19</a:t>
+              <a:t>1/9/2019</a:t>
             </a:fld>
             <a:endParaRPr lang="en-US" dirty="0"/>
           </a:p>
@@ -6026,7 +6026,7 @@
           <a:p>
             <a:pPr algn="ctr"/>
             <a:r>
-              <a:rPr lang="vi-VN" b="1" i="1" u="sng" dirty="0" smtClean="0"/>
+              <a:rPr lang="vi-VN" b="1" i="1" u="sng" dirty="0"/>
               <a:t>PLANT VS ZOMBIE </a:t>
             </a:r>
             <a:endParaRPr lang="en-US" b="1" i="1" u="sng" dirty="0"/>
@@ -6056,25 +6056,25 @@
           <a:lstStyle/>
           <a:p>
             <a:r>
-              <a:rPr lang="vi-VN" dirty="0" smtClean="0"/>
+              <a:rPr lang="vi-VN" dirty="0"/>
               <a:t>Members:</a:t>
             </a:r>
           </a:p>
           <a:p>
             <a:r>
-              <a:rPr lang="vi-VN" dirty="0" smtClean="0"/>
+              <a:rPr lang="vi-VN" dirty="0"/>
               <a:t>Lê thị phương linh</a:t>
             </a:r>
           </a:p>
           <a:p>
             <a:r>
-              <a:rPr lang="vi-VN" dirty="0" smtClean="0"/>
+              <a:rPr lang="vi-VN" dirty="0"/>
               <a:t>Nguyễn hoàng quyết</a:t>
             </a:r>
           </a:p>
           <a:p>
             <a:r>
-              <a:rPr lang="vi-VN" dirty="0" smtClean="0"/>
+              <a:rPr lang="vi-VN" dirty="0"/>
               <a:t>Đặng việt hùng</a:t>
             </a:r>
           </a:p>
@@ -6129,7 +6129,7 @@
           <a:lstStyle/>
           <a:p>
             <a:r>
-              <a:rPr lang="vi-VN" b="1" u="sng" dirty="0" smtClean="0"/>
+              <a:rPr lang="vi-VN" b="1" u="sng" dirty="0"/>
               <a:t>Game rules</a:t>
             </a:r>
             <a:endParaRPr lang="en-US" b="1" u="sng" dirty="0"/>
@@ -6272,15 +6272,11 @@
           <a:lstStyle/>
           <a:p>
             <a:r>
-              <a:rPr lang="vi-VN" b="1" u="sng" dirty="0" smtClean="0"/>
+              <a:rPr lang="vi-VN" b="1" u="sng" dirty="0"/>
               <a:t>Design</a:t>
             </a:r>
-            <a:r>
-              <a:rPr lang="vi-VN" dirty="0" smtClean="0"/>
-              <a:t/>
-            </a:r>
             <a:br>
-              <a:rPr lang="vi-VN" dirty="0" smtClean="0"/>
+              <a:rPr lang="vi-VN" dirty="0"/>
             </a:br>
             <a:endParaRPr lang="en-US" dirty="0"/>
           </a:p>
@@ -6316,25 +6312,35 @@
           </a:p>
         </p:txBody>
       </p:sp>
-      <p:sp>
-        <p:nvSpPr>
-          <p:cNvPr id="4" name="Content Placeholder 3"/>
-          <p:cNvSpPr>
-            <a:spLocks noGrp="1"/>
-          </p:cNvSpPr>
+      <p:pic>
+        <p:nvPicPr>
+          <p:cNvPr id="6" name="Content Placeholder 5" descr="A close up of a map&#10;&#10;Description generated with very high confidence">
+            <a:extLst>
+              <a:ext uri="{FF2B5EF4-FFF2-40B4-BE49-F238E27FC236}">
+                <a16:creationId xmlns:a16="http://schemas.microsoft.com/office/drawing/2014/main" id="{FEBA3F04-2466-48F7-876A-7DD52E274C7E}"/>
+              </a:ext>
+            </a:extLst>
+          </p:cNvPr>
+          <p:cNvPicPr>
+            <a:picLocks noGrp="1" noChangeAspect="1"/>
+          </p:cNvPicPr>
           <p:nvPr>
             <p:ph idx="1"/>
           </p:nvPr>
-        </p:nvSpPr>
-        <p:spPr/>
-        <p:txBody>
-          <a:bodyPr/>
-          <a:lstStyle/>
-          <a:p>
-            <a:endParaRPr lang="en-US" dirty="0"/>
-          </a:p>
-        </p:txBody>
-      </p:sp>
+        </p:nvPicPr>
+        <p:blipFill>
+          <a:blip r:embed="rId2"/>
+          <a:stretch>
+            <a:fillRect/>
+          </a:stretch>
+        </p:blipFill>
+        <p:spPr>
+          <a:xfrm>
+            <a:off x="575245" y="1178351"/>
+            <a:ext cx="11302527" cy="6716395"/>
+          </a:xfrm>
+        </p:spPr>
+      </p:pic>
     </p:spTree>
     <p:extLst>
       <p:ext uri="{BB962C8B-B14F-4D97-AF65-F5344CB8AC3E}">
@@ -6345,13 +6351,6 @@
   <p:clrMapOvr>
     <a:masterClrMapping/>
   </p:clrMapOvr>
-  <p:timing>
-    <p:tnLst>
-      <p:par>
-        <p:cTn id="1" dur="indefinite" restart="never" nodeType="tmRoot"/>
-      </p:par>
-    </p:tnLst>
-  </p:timing>
 </p:sld>
 </file>
 
